--- a/Documents/KeplerGL.pptx
+++ b/Documents/KeplerGL.pptx
@@ -6,13 +6,14 @@
   </p:sldMasterIdLst>
   <p:sldIdLst>
     <p:sldId id="256" r:id="rId2"/>
-    <p:sldId id="257" r:id="rId3"/>
-    <p:sldId id="258" r:id="rId4"/>
-    <p:sldId id="259" r:id="rId5"/>
-    <p:sldId id="260" r:id="rId6"/>
-    <p:sldId id="261" r:id="rId7"/>
-    <p:sldId id="262" r:id="rId8"/>
-    <p:sldId id="263" r:id="rId9"/>
+    <p:sldId id="258" r:id="rId3"/>
+    <p:sldId id="259" r:id="rId4"/>
+    <p:sldId id="264" r:id="rId5"/>
+    <p:sldId id="257" r:id="rId6"/>
+    <p:sldId id="260" r:id="rId7"/>
+    <p:sldId id="261" r:id="rId8"/>
+    <p:sldId id="262" r:id="rId9"/>
+    <p:sldId id="263" r:id="rId10"/>
   </p:sldIdLst>
   <p:sldSz cx="12192000" cy="6858000"/>
   <p:notesSz cx="6858000" cy="9144000"/>
@@ -111,6 +112,11 @@
       </a:defRPr>
     </a:lvl9pPr>
   </p:defaultTextStyle>
+  <p:extLst>
+    <p:ext uri="{EFAFB233-063F-42B5-8137-9DF3F51BA10A}">
+      <p15:sldGuideLst xmlns:p15="http://schemas.microsoft.com/office/powerpoint/2012/main"/>
+    </p:ext>
+  </p:extLst>
 </p:presentation>
 </file>
 
@@ -245,7 +251,7 @@
           <a:p>
             <a:fld id="{10EDF5A6-CE3E-4952-B54D-CF4A59385D3B}" type="datetimeFigureOut">
               <a:rPr lang="en-US" smtClean="0"/>
-              <a:t>7/8/2021</a:t>
+              <a:t>7/16/2021</a:t>
             </a:fld>
             <a:endParaRPr lang="en-US"/>
           </a:p>
@@ -415,7 +421,7 @@
           <a:p>
             <a:fld id="{10EDF5A6-CE3E-4952-B54D-CF4A59385D3B}" type="datetimeFigureOut">
               <a:rPr lang="en-US" smtClean="0"/>
-              <a:t>7/8/2021</a:t>
+              <a:t>7/16/2021</a:t>
             </a:fld>
             <a:endParaRPr lang="en-US"/>
           </a:p>
@@ -595,7 +601,7 @@
           <a:p>
             <a:fld id="{10EDF5A6-CE3E-4952-B54D-CF4A59385D3B}" type="datetimeFigureOut">
               <a:rPr lang="en-US" smtClean="0"/>
-              <a:t>7/8/2021</a:t>
+              <a:t>7/16/2021</a:t>
             </a:fld>
             <a:endParaRPr lang="en-US"/>
           </a:p>
@@ -765,7 +771,7 @@
           <a:p>
             <a:fld id="{10EDF5A6-CE3E-4952-B54D-CF4A59385D3B}" type="datetimeFigureOut">
               <a:rPr lang="en-US" smtClean="0"/>
-              <a:t>7/8/2021</a:t>
+              <a:t>7/16/2021</a:t>
             </a:fld>
             <a:endParaRPr lang="en-US"/>
           </a:p>
@@ -1011,7 +1017,7 @@
           <a:p>
             <a:fld id="{10EDF5A6-CE3E-4952-B54D-CF4A59385D3B}" type="datetimeFigureOut">
               <a:rPr lang="en-US" smtClean="0"/>
-              <a:t>7/8/2021</a:t>
+              <a:t>7/16/2021</a:t>
             </a:fld>
             <a:endParaRPr lang="en-US"/>
           </a:p>
@@ -1243,7 +1249,7 @@
           <a:p>
             <a:fld id="{10EDF5A6-CE3E-4952-B54D-CF4A59385D3B}" type="datetimeFigureOut">
               <a:rPr lang="en-US" smtClean="0"/>
-              <a:t>7/8/2021</a:t>
+              <a:t>7/16/2021</a:t>
             </a:fld>
             <a:endParaRPr lang="en-US"/>
           </a:p>
@@ -1610,7 +1616,7 @@
           <a:p>
             <a:fld id="{10EDF5A6-CE3E-4952-B54D-CF4A59385D3B}" type="datetimeFigureOut">
               <a:rPr lang="en-US" smtClean="0"/>
-              <a:t>7/8/2021</a:t>
+              <a:t>7/16/2021</a:t>
             </a:fld>
             <a:endParaRPr lang="en-US"/>
           </a:p>
@@ -1728,7 +1734,7 @@
           <a:p>
             <a:fld id="{10EDF5A6-CE3E-4952-B54D-CF4A59385D3B}" type="datetimeFigureOut">
               <a:rPr lang="en-US" smtClean="0"/>
-              <a:t>7/8/2021</a:t>
+              <a:t>7/16/2021</a:t>
             </a:fld>
             <a:endParaRPr lang="en-US"/>
           </a:p>
@@ -1823,7 +1829,7 @@
           <a:p>
             <a:fld id="{10EDF5A6-CE3E-4952-B54D-CF4A59385D3B}" type="datetimeFigureOut">
               <a:rPr lang="en-US" smtClean="0"/>
-              <a:t>7/8/2021</a:t>
+              <a:t>7/16/2021</a:t>
             </a:fld>
             <a:endParaRPr lang="en-US"/>
           </a:p>
@@ -2100,7 +2106,7 @@
           <a:p>
             <a:fld id="{10EDF5A6-CE3E-4952-B54D-CF4A59385D3B}" type="datetimeFigureOut">
               <a:rPr lang="en-US" smtClean="0"/>
-              <a:t>7/8/2021</a:t>
+              <a:t>7/16/2021</a:t>
             </a:fld>
             <a:endParaRPr lang="en-US"/>
           </a:p>
@@ -2353,7 +2359,7 @@
           <a:p>
             <a:fld id="{10EDF5A6-CE3E-4952-B54D-CF4A59385D3B}" type="datetimeFigureOut">
               <a:rPr lang="en-US" smtClean="0"/>
-              <a:t>7/8/2021</a:t>
+              <a:t>7/16/2021</a:t>
             </a:fld>
             <a:endParaRPr lang="en-US"/>
           </a:p>
@@ -2566,7 +2572,7 @@
           <a:p>
             <a:fld id="{10EDF5A6-CE3E-4952-B54D-CF4A59385D3B}" type="datetimeFigureOut">
               <a:rPr lang="en-US" smtClean="0"/>
-              <a:t>7/8/2021</a:t>
+              <a:t>7/16/2021</a:t>
             </a:fld>
             <a:endParaRPr lang="en-US"/>
           </a:p>
@@ -2988,7 +2994,7 @@
           <a:p>
             <a:r>
               <a:rPr lang="en-US" dirty="0" smtClean="0"/>
-              <a:t>Uber Mapping</a:t>
+              <a:t>Large Spatial Datasets Visualizations</a:t>
             </a:r>
             <a:endParaRPr lang="en-US" dirty="0"/>
           </a:p>
@@ -3027,7 +3033,11 @@
             </a:r>
             <a:r>
               <a:rPr lang="en-US" dirty="0" smtClean="0"/>
-              <a:t> GL, Loader GL,</a:t>
+              <a:t> GL, Loader </a:t>
+            </a:r>
+            <a:r>
+              <a:rPr lang="en-US" dirty="0" smtClean="0"/>
+              <a:t>GL</a:t>
             </a:r>
             <a:endParaRPr lang="en-US" dirty="0"/>
           </a:p>
@@ -3078,9 +3088,10 @@
           <a:bodyPr/>
           <a:lstStyle/>
           <a:p>
+            <a:pPr algn="ctr"/>
             <a:r>
               <a:rPr lang="en-US" dirty="0" smtClean="0"/>
-              <a:t>https://www.gislounge.com/ubers-open-source-mapping-tool/</a:t>
+              <a:t>DECK.GL</a:t>
             </a:r>
             <a:endParaRPr lang="en-US" dirty="0"/>
           </a:p>
@@ -3102,24 +3113,96 @@
           <a:lstStyle/>
           <a:p>
             <a:r>
+              <a:rPr lang="en-US" b="1" dirty="0"/>
+              <a:t>A Layered Approach to Data Visualization</a:t>
+            </a:r>
+          </a:p>
+          <a:p>
+            <a:r>
+              <a:rPr lang="en-US" b="1" dirty="0"/>
+              <a:t>High-Precision Computations in the GPU</a:t>
+            </a:r>
+          </a:p>
+          <a:p>
+            <a:r>
+              <a:rPr lang="en-US" b="1" dirty="0"/>
+              <a:t>React and </a:t>
+            </a:r>
+            <a:r>
+              <a:rPr lang="en-US" b="1" dirty="0" err="1"/>
+              <a:t>Mapbox</a:t>
+            </a:r>
+            <a:r>
+              <a:rPr lang="en-US" b="1" dirty="0"/>
+              <a:t> GL </a:t>
+            </a:r>
+            <a:r>
+              <a:rPr lang="en-US" b="1" dirty="0" smtClean="0"/>
+              <a:t>Integrations</a:t>
+            </a:r>
+          </a:p>
+          <a:p>
+            <a:r>
+              <a:rPr lang="en-US" b="1" dirty="0"/>
+              <a:t>Show Case </a:t>
+            </a:r>
+            <a:r>
+              <a:rPr lang="en-US" b="1" dirty="0">
+                <a:hlinkClick r:id="rId2"/>
+              </a:rPr>
+              <a:t>https://</a:t>
+            </a:r>
+            <a:r>
+              <a:rPr lang="en-US" b="1" dirty="0" smtClean="0">
+                <a:hlinkClick r:id="rId2"/>
+              </a:rPr>
+              <a:t>deck.gl/showcase</a:t>
+            </a:r>
+            <a:r>
+              <a:rPr lang="en-US" b="1" dirty="0" smtClean="0"/>
+              <a:t> [</a:t>
+            </a:r>
+            <a:r>
+              <a:rPr lang="en-US" b="1" dirty="0" err="1" smtClean="0"/>
+              <a:t>viv</a:t>
+            </a:r>
+            <a:r>
+              <a:rPr lang="en-US" b="1" dirty="0" smtClean="0"/>
+              <a:t>, </a:t>
+            </a:r>
+            <a:r>
+              <a:rPr lang="en-US" b="1" dirty="0" err="1" smtClean="0"/>
+              <a:t>flowmap.blue</a:t>
+            </a:r>
+            <a:r>
+              <a:rPr lang="en-US" b="1" dirty="0" smtClean="0"/>
+              <a:t>, The bad bet, Sand Dance, Flight Mapper, Kepler.gl]</a:t>
+            </a:r>
+          </a:p>
+          <a:p>
+            <a:r>
+              <a:rPr lang="en-US" b="1" dirty="0" smtClean="0"/>
+              <a:t>Kepler.GL [</a:t>
+            </a:r>
+            <a:r>
               <a:rPr lang="en-US" dirty="0"/>
-              <a:t>In kepler.gl, visualization in different maps can be quickly achieved by simply dragging and dropping data, such as from a .csv file, and then trying different forms of data visualization. Geometry calculations are GPU-</a:t>
-            </a:r>
-            <a:r>
-              <a:rPr lang="en-US" dirty="0" err="1"/>
-              <a:t>acellerated</a:t>
-            </a:r>
-            <a:r>
-              <a:rPr lang="en-US" dirty="0"/>
-              <a:t>, allowing faster processing of visual and large amounts of data.</a:t>
-            </a:r>
+              <a:t>Kepler.gl is a powerful web-based geospatial data analysis tool. Built on a high performance rendering engine and designed for large-scale data sets.</a:t>
+            </a:r>
+            <a:r>
+              <a:rPr lang="en-US" b="1" dirty="0" smtClean="0"/>
+              <a:t>]</a:t>
+            </a:r>
+            <a:endParaRPr lang="en-US" b="1" dirty="0"/>
+          </a:p>
+          <a:p>
+            <a:endParaRPr lang="en-US" dirty="0"/>
           </a:p>
         </p:txBody>
       </p:sp>
     </p:spTree>
     <p:extLst>
       <p:ext uri="{BB962C8B-B14F-4D97-AF65-F5344CB8AC3E}">
-        <p14:creationId xmlns:p14="http://schemas.microsoft.com/office/powerpoint/2010/main" val="929895602"/>
+        <p14:creationId xmlns:p14="http://schemas.microsoft.com/office/powerpoint/2010/main" val="4127114293"/>
       </p:ext>
     </p:extLst>
   </p:cSld>
@@ -3156,42 +3239,60 @@
             <p:ph type="title"/>
           </p:nvPr>
         </p:nvSpPr>
-        <p:spPr/>
-        <p:txBody>
-          <a:bodyPr/>
+        <p:spPr>
+          <a:xfrm>
+            <a:off x="838200" y="365126"/>
+            <a:ext cx="10956516" cy="967286"/>
+          </a:xfrm>
+        </p:spPr>
+        <p:txBody>
+          <a:bodyPr>
+            <a:normAutofit fontScale="90000"/>
+          </a:bodyPr>
           <a:lstStyle/>
           <a:p>
             <a:r>
               <a:rPr lang="en-US" dirty="0" smtClean="0"/>
-              <a:t>Getting Start with Kepler GL - https://kepler.gl/demo</a:t>
+              <a:t>Implementatio</a:t>
+            </a:r>
+            <a:r>
+              <a:rPr lang="en-US" dirty="0" smtClean="0"/>
+              <a:t>n Approach – Customize Kepler.GL Dashboard</a:t>
             </a:r>
             <a:endParaRPr lang="en-US" dirty="0"/>
           </a:p>
         </p:txBody>
       </p:sp>
-      <p:sp>
-        <p:nvSpPr>
-          <p:cNvPr id="3" name="Content Placeholder 2"/>
-          <p:cNvSpPr>
-            <a:spLocks noGrp="1"/>
-          </p:cNvSpPr>
+      <p:pic>
+        <p:nvPicPr>
+          <p:cNvPr id="4" name="Content Placeholder 3"/>
+          <p:cNvPicPr>
+            <a:picLocks noGrp="1" noChangeAspect="1"/>
+          </p:cNvPicPr>
           <p:nvPr>
             <p:ph idx="1"/>
           </p:nvPr>
-        </p:nvSpPr>
-        <p:spPr/>
-        <p:txBody>
-          <a:bodyPr/>
-          <a:lstStyle/>
-          <a:p>
-            <a:endParaRPr lang="en-US" dirty="0"/>
-          </a:p>
-        </p:txBody>
-      </p:sp>
+        </p:nvPicPr>
+        <p:blipFill>
+          <a:blip r:embed="rId2"/>
+          <a:stretch>
+            <a:fillRect/>
+          </a:stretch>
+        </p:blipFill>
+        <p:spPr>
+          <a:xfrm>
+            <a:off x="0" y="1332413"/>
+            <a:ext cx="12192000" cy="5525588"/>
+          </a:xfrm>
+          <a:prstGeom prst="rect">
+            <a:avLst/>
+          </a:prstGeom>
+        </p:spPr>
+      </p:pic>
     </p:spTree>
     <p:extLst>
       <p:ext uri="{BB962C8B-B14F-4D97-AF65-F5344CB8AC3E}">
-        <p14:creationId xmlns:p14="http://schemas.microsoft.com/office/powerpoint/2010/main" val="4127114293"/>
+        <p14:creationId xmlns:p14="http://schemas.microsoft.com/office/powerpoint/2010/main" val="1332500359"/>
       </p:ext>
     </p:extLst>
   </p:cSld>
@@ -3233,33 +3334,44 @@
           <a:bodyPr/>
           <a:lstStyle/>
           <a:p>
-            <a:endParaRPr lang="en-US"/>
-          </a:p>
-        </p:txBody>
-      </p:sp>
-      <p:sp>
-        <p:nvSpPr>
-          <p:cNvPr id="3" name="Content Placeholder 2"/>
-          <p:cNvSpPr>
-            <a:spLocks noGrp="1"/>
-          </p:cNvSpPr>
+            <a:r>
+              <a:rPr lang="en-US" dirty="0" smtClean="0"/>
+              <a:t>Built Dashboard in React and Mapbox.GL from Scratch and integrate Deck.GL</a:t>
+            </a:r>
+            <a:endParaRPr lang="en-US" dirty="0"/>
+          </a:p>
+        </p:txBody>
+      </p:sp>
+      <p:pic>
+        <p:nvPicPr>
+          <p:cNvPr id="4" name="Content Placeholder 3"/>
+          <p:cNvPicPr>
+            <a:picLocks noGrp="1" noChangeAspect="1"/>
+          </p:cNvPicPr>
           <p:nvPr>
             <p:ph idx="1"/>
           </p:nvPr>
-        </p:nvSpPr>
-        <p:spPr/>
-        <p:txBody>
-          <a:bodyPr/>
-          <a:lstStyle/>
-          <a:p>
-            <a:endParaRPr lang="en-US"/>
-          </a:p>
-        </p:txBody>
-      </p:sp>
+        </p:nvPicPr>
+        <p:blipFill>
+          <a:blip r:embed="rId2"/>
+          <a:stretch>
+            <a:fillRect/>
+          </a:stretch>
+        </p:blipFill>
+        <p:spPr>
+          <a:xfrm>
+            <a:off x="0" y="1567542"/>
+            <a:ext cx="12191999" cy="5290457"/>
+          </a:xfrm>
+          <a:prstGeom prst="rect">
+            <a:avLst/>
+          </a:prstGeom>
+        </p:spPr>
+      </p:pic>
     </p:spTree>
     <p:extLst>
       <p:ext uri="{BB962C8B-B14F-4D97-AF65-F5344CB8AC3E}">
-        <p14:creationId xmlns:p14="http://schemas.microsoft.com/office/powerpoint/2010/main" val="1332500359"/>
+        <p14:creationId xmlns:p14="http://schemas.microsoft.com/office/powerpoint/2010/main" val="3588676396"/>
       </p:ext>
     </p:extLst>
   </p:cSld>
@@ -3301,7 +3413,11 @@
           <a:bodyPr/>
           <a:lstStyle/>
           <a:p>
-            <a:endParaRPr lang="en-US"/>
+            <a:r>
+              <a:rPr lang="en-US" dirty="0" smtClean="0"/>
+              <a:t>https://www.gislounge.com/ubers-open-source-mapping-tool/</a:t>
+            </a:r>
+            <a:endParaRPr lang="en-US" dirty="0"/>
           </a:p>
         </p:txBody>
       </p:sp>
@@ -3320,14 +3436,25 @@
           <a:bodyPr/>
           <a:lstStyle/>
           <a:p>
-            <a:endParaRPr lang="en-US"/>
+            <a:r>
+              <a:rPr lang="en-US" dirty="0"/>
+              <a:t>In kepler.gl, visualization in different maps can be quickly achieved by simply dragging and dropping data, such as from a .csv file, and then trying different forms of data visualization. Geometry calculations are GPU-</a:t>
+            </a:r>
+            <a:r>
+              <a:rPr lang="en-US" dirty="0" err="1"/>
+              <a:t>acellerated</a:t>
+            </a:r>
+            <a:r>
+              <a:rPr lang="en-US" dirty="0"/>
+              <a:t>, allowing faster processing of visual and large amounts of data.</a:t>
+            </a:r>
           </a:p>
         </p:txBody>
       </p:sp>
     </p:spTree>
     <p:extLst>
       <p:ext uri="{BB962C8B-B14F-4D97-AF65-F5344CB8AC3E}">
-        <p14:creationId xmlns:p14="http://schemas.microsoft.com/office/powerpoint/2010/main" val="460625592"/>
+        <p14:creationId xmlns:p14="http://schemas.microsoft.com/office/powerpoint/2010/main" val="929895602"/>
       </p:ext>
     </p:extLst>
   </p:cSld>
@@ -3395,7 +3522,7 @@
     </p:spTree>
     <p:extLst>
       <p:ext uri="{BB962C8B-B14F-4D97-AF65-F5344CB8AC3E}">
-        <p14:creationId xmlns:p14="http://schemas.microsoft.com/office/powerpoint/2010/main" val="3495068338"/>
+        <p14:creationId xmlns:p14="http://schemas.microsoft.com/office/powerpoint/2010/main" val="460625592"/>
       </p:ext>
     </p:extLst>
   </p:cSld>
@@ -3463,6 +3590,74 @@
     </p:spTree>
     <p:extLst>
       <p:ext uri="{BB962C8B-B14F-4D97-AF65-F5344CB8AC3E}">
+        <p14:creationId xmlns:p14="http://schemas.microsoft.com/office/powerpoint/2010/main" val="3495068338"/>
+      </p:ext>
+    </p:extLst>
+  </p:cSld>
+  <p:clrMapOvr>
+    <a:masterClrMapping/>
+  </p:clrMapOvr>
+</p:sld>
+</file>
+
+<file path=ppt/slides/slide8.xml><?xml version="1.0" encoding="utf-8"?>
+<p:sld xmlns:a="http://schemas.openxmlformats.org/drawingml/2006/main" xmlns:r="http://schemas.openxmlformats.org/officeDocument/2006/relationships" xmlns:p="http://schemas.openxmlformats.org/presentationml/2006/main">
+  <p:cSld>
+    <p:spTree>
+      <p:nvGrpSpPr>
+        <p:cNvPr id="1" name=""/>
+        <p:cNvGrpSpPr/>
+        <p:nvPr/>
+      </p:nvGrpSpPr>
+      <p:grpSpPr>
+        <a:xfrm>
+          <a:off x="0" y="0"/>
+          <a:ext cx="0" cy="0"/>
+          <a:chOff x="0" y="0"/>
+          <a:chExt cx="0" cy="0"/>
+        </a:xfrm>
+      </p:grpSpPr>
+      <p:sp>
+        <p:nvSpPr>
+          <p:cNvPr id="2" name="Title 1"/>
+          <p:cNvSpPr>
+            <a:spLocks noGrp="1"/>
+          </p:cNvSpPr>
+          <p:nvPr>
+            <p:ph type="title"/>
+          </p:nvPr>
+        </p:nvSpPr>
+        <p:spPr/>
+        <p:txBody>
+          <a:bodyPr/>
+          <a:lstStyle/>
+          <a:p>
+            <a:endParaRPr lang="en-US"/>
+          </a:p>
+        </p:txBody>
+      </p:sp>
+      <p:sp>
+        <p:nvSpPr>
+          <p:cNvPr id="3" name="Content Placeholder 2"/>
+          <p:cNvSpPr>
+            <a:spLocks noGrp="1"/>
+          </p:cNvSpPr>
+          <p:nvPr>
+            <p:ph idx="1"/>
+          </p:nvPr>
+        </p:nvSpPr>
+        <p:spPr/>
+        <p:txBody>
+          <a:bodyPr/>
+          <a:lstStyle/>
+          <a:p>
+            <a:endParaRPr lang="en-US"/>
+          </a:p>
+        </p:txBody>
+      </p:sp>
+    </p:spTree>
+    <p:extLst>
+      <p:ext uri="{BB962C8B-B14F-4D97-AF65-F5344CB8AC3E}">
         <p14:creationId xmlns:p14="http://schemas.microsoft.com/office/powerpoint/2010/main" val="3746582368"/>
       </p:ext>
     </p:extLst>
@@ -3473,7 +3668,7 @@
 </p:sld>
 </file>
 
-<file path=ppt/slides/slide8.xml><?xml version="1.0" encoding="utf-8"?>
+<file path=ppt/slides/slide9.xml><?xml version="1.0" encoding="utf-8"?>
 <p:sld xmlns:a="http://schemas.openxmlformats.org/drawingml/2006/main" xmlns:r="http://schemas.openxmlformats.org/officeDocument/2006/relationships" xmlns:p="http://schemas.openxmlformats.org/presentationml/2006/main">
   <p:cSld>
     <p:spTree>
